--- a/交易模擬app使用說明.pptx
+++ b/交易模擬app使用說明.pptx
@@ -108,6 +108,11 @@
       </a:defRPr>
     </a:lvl9pPr>
   </p:defaultTextStyle>
+  <p:extLst>
+    <p:ext uri="{EFAFB233-063F-42B5-8137-9DF3F51BA10A}">
+      <p15:sldGuideLst xmlns:p15="http://schemas.microsoft.com/office/powerpoint/2012/main"/>
+    </p:ext>
+  </p:extLst>
 </p:presentation>
 </file>
 
@@ -242,7 +247,7 @@
           <a:p>
             <a:fld id="{02CC0978-BF53-4B85-8E55-7E956C7ABBD6}" type="datetimeFigureOut">
               <a:rPr lang="zh-TW" altLang="en-US" smtClean="0"/>
-              <a:t>2024/7/2</a:t>
+              <a:t>2024/8/18</a:t>
             </a:fld>
             <a:endParaRPr lang="zh-TW" altLang="en-US"/>
           </a:p>
@@ -412,7 +417,7 @@
           <a:p>
             <a:fld id="{02CC0978-BF53-4B85-8E55-7E956C7ABBD6}" type="datetimeFigureOut">
               <a:rPr lang="zh-TW" altLang="en-US" smtClean="0"/>
-              <a:t>2024/7/2</a:t>
+              <a:t>2024/8/18</a:t>
             </a:fld>
             <a:endParaRPr lang="zh-TW" altLang="en-US"/>
           </a:p>
@@ -592,7 +597,7 @@
           <a:p>
             <a:fld id="{02CC0978-BF53-4B85-8E55-7E956C7ABBD6}" type="datetimeFigureOut">
               <a:rPr lang="zh-TW" altLang="en-US" smtClean="0"/>
-              <a:t>2024/7/2</a:t>
+              <a:t>2024/8/18</a:t>
             </a:fld>
             <a:endParaRPr lang="zh-TW" altLang="en-US"/>
           </a:p>
@@ -762,7 +767,7 @@
           <a:p>
             <a:fld id="{02CC0978-BF53-4B85-8E55-7E956C7ABBD6}" type="datetimeFigureOut">
               <a:rPr lang="zh-TW" altLang="en-US" smtClean="0"/>
-              <a:t>2024/7/2</a:t>
+              <a:t>2024/8/18</a:t>
             </a:fld>
             <a:endParaRPr lang="zh-TW" altLang="en-US"/>
           </a:p>
@@ -1008,7 +1013,7 @@
           <a:p>
             <a:fld id="{02CC0978-BF53-4B85-8E55-7E956C7ABBD6}" type="datetimeFigureOut">
               <a:rPr lang="zh-TW" altLang="en-US" smtClean="0"/>
-              <a:t>2024/7/2</a:t>
+              <a:t>2024/8/18</a:t>
             </a:fld>
             <a:endParaRPr lang="zh-TW" altLang="en-US"/>
           </a:p>
@@ -1240,7 +1245,7 @@
           <a:p>
             <a:fld id="{02CC0978-BF53-4B85-8E55-7E956C7ABBD6}" type="datetimeFigureOut">
               <a:rPr lang="zh-TW" altLang="en-US" smtClean="0"/>
-              <a:t>2024/7/2</a:t>
+              <a:t>2024/8/18</a:t>
             </a:fld>
             <a:endParaRPr lang="zh-TW" altLang="en-US"/>
           </a:p>
@@ -1607,7 +1612,7 @@
           <a:p>
             <a:fld id="{02CC0978-BF53-4B85-8E55-7E956C7ABBD6}" type="datetimeFigureOut">
               <a:rPr lang="zh-TW" altLang="en-US" smtClean="0"/>
-              <a:t>2024/7/2</a:t>
+              <a:t>2024/8/18</a:t>
             </a:fld>
             <a:endParaRPr lang="zh-TW" altLang="en-US"/>
           </a:p>
@@ -1725,7 +1730,7 @@
           <a:p>
             <a:fld id="{02CC0978-BF53-4B85-8E55-7E956C7ABBD6}" type="datetimeFigureOut">
               <a:rPr lang="zh-TW" altLang="en-US" smtClean="0"/>
-              <a:t>2024/7/2</a:t>
+              <a:t>2024/8/18</a:t>
             </a:fld>
             <a:endParaRPr lang="zh-TW" altLang="en-US"/>
           </a:p>
@@ -1820,7 +1825,7 @@
           <a:p>
             <a:fld id="{02CC0978-BF53-4B85-8E55-7E956C7ABBD6}" type="datetimeFigureOut">
               <a:rPr lang="zh-TW" altLang="en-US" smtClean="0"/>
-              <a:t>2024/7/2</a:t>
+              <a:t>2024/8/18</a:t>
             </a:fld>
             <a:endParaRPr lang="zh-TW" altLang="en-US"/>
           </a:p>
@@ -2097,7 +2102,7 @@
           <a:p>
             <a:fld id="{02CC0978-BF53-4B85-8E55-7E956C7ABBD6}" type="datetimeFigureOut">
               <a:rPr lang="zh-TW" altLang="en-US" smtClean="0"/>
-              <a:t>2024/7/2</a:t>
+              <a:t>2024/8/18</a:t>
             </a:fld>
             <a:endParaRPr lang="zh-TW" altLang="en-US"/>
           </a:p>
@@ -2350,7 +2355,7 @@
           <a:p>
             <a:fld id="{02CC0978-BF53-4B85-8E55-7E956C7ABBD6}" type="datetimeFigureOut">
               <a:rPr lang="zh-TW" altLang="en-US" smtClean="0"/>
-              <a:t>2024/7/2</a:t>
+              <a:t>2024/8/18</a:t>
             </a:fld>
             <a:endParaRPr lang="zh-TW" altLang="en-US"/>
           </a:p>
@@ -2563,7 +2568,7 @@
           <a:p>
             <a:fld id="{02CC0978-BF53-4B85-8E55-7E956C7ABBD6}" type="datetimeFigureOut">
               <a:rPr lang="zh-TW" altLang="en-US" smtClean="0"/>
-              <a:t>2024/7/2</a:t>
+              <a:t>2024/8/18</a:t>
             </a:fld>
             <a:endParaRPr lang="zh-TW" altLang="en-US"/>
           </a:p>
@@ -3102,15 +3107,11 @@
           <a:p>
             <a:r>
               <a:rPr lang="zh-TW" altLang="en-US" sz="2400" dirty="0" smtClean="0"/>
-              <a:t>沒啥創意</a:t>
-            </a:r>
-            <a:r>
-              <a:rPr lang="en-US" altLang="zh-TW" sz="2400" dirty="0" smtClean="0"/>
-              <a:t>…</a:t>
+              <a:t>看</a:t>
             </a:r>
             <a:r>
               <a:rPr lang="zh-TW" altLang="en-US" sz="2400" dirty="0" smtClean="0"/>
-              <a:t>看著自己手機的股市交易</a:t>
+              <a:t>著自己手機的股市交易</a:t>
             </a:r>
             <a:r>
               <a:rPr lang="en-US" altLang="zh-TW" sz="2400" dirty="0" smtClean="0"/>
@@ -3122,7 +3123,7 @@
             </a:r>
             <a:r>
               <a:rPr lang="en-US" altLang="zh-TW" sz="2400" dirty="0" err="1" smtClean="0"/>
-              <a:t>Jframe</a:t>
+              <a:t>JFrame</a:t>
             </a:r>
             <a:r>
               <a:rPr lang="zh-TW" altLang="en-US" sz="2400" dirty="0" smtClean="0"/>
@@ -3201,7 +3202,7 @@
             </a:r>
             <a:r>
               <a:rPr lang="zh-TW" altLang="en-US" sz="2000" b="1" dirty="0" smtClean="0"/>
-              <a:t>實踐</a:t>
+              <a:t>實作</a:t>
             </a:r>
             <a:endParaRPr lang="en-US" altLang="zh-TW" sz="2000" b="1" dirty="0" smtClean="0"/>
           </a:p>
@@ -3233,15 +3234,15 @@
             </a:r>
             <a:r>
               <a:rPr lang="en-US" altLang="zh-TW" sz="2000" dirty="0" smtClean="0"/>
-              <a:t>Thread</a:t>
+              <a:t>Timer</a:t>
             </a:r>
             <a:r>
               <a:rPr lang="zh-TW" altLang="en-US" sz="2000" dirty="0" smtClean="0"/>
-              <a:t>做幾個</a:t>
+              <a:t>做</a:t>
             </a:r>
             <a:r>
               <a:rPr lang="zh-TW" altLang="en-US" sz="2000" dirty="0" smtClean="0"/>
-              <a:t>買單</a:t>
+              <a:t>幾個買單</a:t>
             </a:r>
             <a:r>
               <a:rPr lang="en-US" altLang="zh-TW" sz="2000" dirty="0" smtClean="0"/>
@@ -3277,11 +3278,7 @@
             </a:r>
             <a:r>
               <a:rPr lang="zh-TW" altLang="en-US" sz="2000" dirty="0" smtClean="0"/>
-              <a:t>網站上的</a:t>
-            </a:r>
-            <a:r>
-              <a:rPr lang="zh-TW" altLang="en-US" sz="2000" dirty="0" smtClean="0"/>
-              <a:t>成交價有變動的話，</a:t>
+              <a:t>網站上的成交價有變動的話，</a:t>
             </a:r>
             <a:r>
               <a:rPr lang="en-US" altLang="zh-TW" sz="2000" dirty="0" smtClean="0"/>
@@ -3362,16 +3359,24 @@
           </a:p>
           <a:p>
             <a:r>
+              <a:rPr lang="zh-TW" altLang="en-US" sz="2400" dirty="0"/>
+              <a:t>但</a:t>
+            </a:r>
+            <a:r>
               <a:rPr lang="zh-TW" altLang="en-US" sz="2400" dirty="0" smtClean="0"/>
-              <a:t>重點是</a:t>
+              <a:t>上述</a:t>
             </a:r>
             <a:r>
               <a:rPr lang="en-US" altLang="zh-TW" sz="2400" dirty="0" smtClean="0"/>
-              <a:t>……</a:t>
+              <a:t>1.2.3.……</a:t>
             </a:r>
             <a:r>
               <a:rPr lang="zh-TW" altLang="en-US" sz="2400" dirty="0" smtClean="0"/>
-              <a:t>都沒做完</a:t>
+              <a:t>沒</a:t>
+            </a:r>
+            <a:r>
+              <a:rPr lang="zh-TW" altLang="en-US" sz="2400" dirty="0" smtClean="0"/>
+              <a:t>做完</a:t>
             </a:r>
             <a:r>
               <a:rPr lang="en-US" altLang="zh-TW" sz="2400" dirty="0" smtClean="0"/>
@@ -3611,50 +3616,50 @@
           <a:lstStyle/>
           <a:p>
             <a:r>
-              <a:rPr lang="zh-TW" altLang="en-US" dirty="0"/>
+              <a:rPr lang="zh-TW" altLang="en-US" b="1" dirty="0"/>
               <a:t>有完成的</a:t>
             </a:r>
-            <a:endParaRPr lang="en-US" altLang="zh-TW" dirty="0" smtClean="0"/>
+            <a:endParaRPr lang="en-US" altLang="zh-TW" b="1" dirty="0" smtClean="0"/>
           </a:p>
           <a:p>
             <a:pPr lvl="1"/>
             <a:r>
-              <a:rPr lang="zh-TW" altLang="en-US" dirty="0" smtClean="0"/>
+              <a:rPr lang="zh-TW" altLang="en-US" b="1" dirty="0" smtClean="0"/>
               <a:t>普通</a:t>
             </a:r>
             <a:r>
-              <a:rPr lang="zh-TW" altLang="en-US" dirty="0"/>
+              <a:rPr lang="zh-TW" altLang="en-US" b="1" dirty="0"/>
               <a:t>的</a:t>
             </a:r>
             <a:r>
-              <a:rPr lang="en-US" altLang="zh-TW" dirty="0" err="1" smtClean="0"/>
+              <a:rPr lang="en-US" altLang="zh-TW" b="1" dirty="0" err="1" smtClean="0"/>
               <a:t>CRUDmember</a:t>
             </a:r>
-            <a:endParaRPr lang="en-US" altLang="zh-TW" dirty="0" smtClean="0"/>
+            <a:endParaRPr lang="en-US" altLang="zh-TW" b="1" dirty="0" smtClean="0"/>
           </a:p>
           <a:p>
             <a:pPr lvl="1"/>
             <a:r>
-              <a:rPr lang="zh-TW" altLang="en-US" dirty="0"/>
+              <a:rPr lang="zh-TW" altLang="en-US" b="1" dirty="0"/>
               <a:t>一些</a:t>
             </a:r>
             <a:r>
-              <a:rPr lang="en-US" altLang="zh-TW" dirty="0"/>
+              <a:rPr lang="en-US" altLang="zh-TW" b="1" dirty="0"/>
               <a:t>Table</a:t>
             </a:r>
             <a:r>
-              <a:rPr lang="zh-TW" altLang="en-US" dirty="0"/>
+              <a:rPr lang="zh-TW" altLang="en-US" b="1" dirty="0"/>
               <a:t>查詢</a:t>
             </a:r>
             <a:r>
-              <a:rPr lang="en-US" altLang="zh-TW" dirty="0"/>
+              <a:rPr lang="en-US" altLang="zh-TW" b="1" dirty="0"/>
               <a:t>&amp;</a:t>
             </a:r>
             <a:r>
-              <a:rPr lang="zh-TW" altLang="en-US" dirty="0"/>
+              <a:rPr lang="zh-TW" altLang="en-US" b="1" dirty="0"/>
               <a:t>列印</a:t>
             </a:r>
-            <a:endParaRPr lang="en-US" altLang="zh-TW" dirty="0" smtClean="0"/>
+            <a:endParaRPr lang="en-US" altLang="zh-TW" b="1" dirty="0" smtClean="0"/>
           </a:p>
           <a:p>
             <a:endParaRPr lang="en-US" altLang="zh-TW" dirty="0"/>
